--- a/materials/lec_2/lec_2.pptx
+++ b/materials/lec_2/lec_2.pptx
@@ -5,20 +5,23 @@
     <p:sldMasterId id="2147483900" r:id="rId1"/>
   </p:sldMasterIdLst>
   <p:notesMasterIdLst>
-    <p:notesMasterId r:id="rId13"/>
+    <p:notesMasterId r:id="rId16"/>
   </p:notesMasterIdLst>
   <p:sldIdLst>
     <p:sldId id="256" r:id="rId2"/>
-    <p:sldId id="343" r:id="rId3"/>
-    <p:sldId id="344" r:id="rId4"/>
-    <p:sldId id="341" r:id="rId5"/>
-    <p:sldId id="342" r:id="rId6"/>
-    <p:sldId id="345" r:id="rId7"/>
-    <p:sldId id="346" r:id="rId8"/>
-    <p:sldId id="347" r:id="rId9"/>
-    <p:sldId id="348" r:id="rId10"/>
-    <p:sldId id="349" r:id="rId11"/>
-    <p:sldId id="300" r:id="rId12"/>
+    <p:sldId id="351" r:id="rId3"/>
+    <p:sldId id="352" r:id="rId4"/>
+    <p:sldId id="343" r:id="rId5"/>
+    <p:sldId id="344" r:id="rId6"/>
+    <p:sldId id="341" r:id="rId7"/>
+    <p:sldId id="342" r:id="rId8"/>
+    <p:sldId id="345" r:id="rId9"/>
+    <p:sldId id="346" r:id="rId10"/>
+    <p:sldId id="347" r:id="rId11"/>
+    <p:sldId id="348" r:id="rId12"/>
+    <p:sldId id="349" r:id="rId13"/>
+    <p:sldId id="350" r:id="rId14"/>
+    <p:sldId id="300" r:id="rId15"/>
   </p:sldIdLst>
   <p:sldSz cx="9144000" cy="6858000" type="screen4x3"/>
   <p:notesSz cx="6858000" cy="9144000"/>
@@ -202,7 +205,7 @@
           <a:p>
             <a:fld id="{07CCACB0-F8FE-4858-B318-FD65BA258CC9}" type="datetimeFigureOut">
               <a:rPr lang="ru-RU" smtClean="0"/>
-              <a:t>30.11.2017</a:t>
+              <a:t>06.12.2017</a:t>
             </a:fld>
             <a:endParaRPr lang="ru-RU"/>
           </a:p>
@@ -543,7 +546,7 @@
           <a:p>
             <a:fld id="{A4386834-D4DC-4436-81F0-088D0656D606}" type="slidenum">
               <a:rPr lang="ru-RU" smtClean="0"/>
-              <a:t>2</a:t>
+              <a:t>4</a:t>
             </a:fld>
             <a:endParaRPr lang="ru-RU"/>
           </a:p>
@@ -635,7 +638,7 @@
           <a:p>
             <a:fld id="{A4386834-D4DC-4436-81F0-088D0656D606}" type="slidenum">
               <a:rPr lang="ru-RU" smtClean="0"/>
-              <a:t>3</a:t>
+              <a:t>5</a:t>
             </a:fld>
             <a:endParaRPr lang="ru-RU"/>
           </a:p>
@@ -719,7 +722,7 @@
           <a:p>
             <a:fld id="{A4386834-D4DC-4436-81F0-088D0656D606}" type="slidenum">
               <a:rPr lang="ru-RU" smtClean="0"/>
-              <a:t>11</a:t>
+              <a:t>14</a:t>
             </a:fld>
             <a:endParaRPr lang="ru-RU"/>
           </a:p>
@@ -1363,7 +1366,7 @@
           <a:p>
             <a:fld id="{B4C71EC6-210F-42DE-9C53-41977AD35B3D}" type="datetimeFigureOut">
               <a:rPr lang="ru-RU" smtClean="0"/>
-              <a:t>30.11.2017</a:t>
+              <a:t>06.12.2017</a:t>
             </a:fld>
             <a:endParaRPr lang="ru-RU"/>
           </a:p>
@@ -1559,7 +1562,7 @@
           <a:p>
             <a:fld id="{B4C71EC6-210F-42DE-9C53-41977AD35B3D}" type="datetimeFigureOut">
               <a:rPr lang="ru-RU" smtClean="0"/>
-              <a:t>30.11.2017</a:t>
+              <a:t>06.12.2017</a:t>
             </a:fld>
             <a:endParaRPr lang="ru-RU"/>
           </a:p>
@@ -1744,7 +1747,7 @@
           <a:p>
             <a:fld id="{B4C71EC6-210F-42DE-9C53-41977AD35B3D}" type="datetimeFigureOut">
               <a:rPr lang="ru-RU" smtClean="0"/>
-              <a:t>30.11.2017</a:t>
+              <a:t>06.12.2017</a:t>
             </a:fld>
             <a:endParaRPr lang="ru-RU"/>
           </a:p>
@@ -1894,7 +1897,7 @@
           <a:p>
             <a:fld id="{B4C71EC6-210F-42DE-9C53-41977AD35B3D}" type="datetimeFigureOut">
               <a:rPr lang="ru-RU" smtClean="0"/>
-              <a:t>30.11.2017</a:t>
+              <a:t>06.12.2017</a:t>
             </a:fld>
             <a:endParaRPr lang="ru-RU"/>
           </a:p>
@@ -2144,7 +2147,7 @@
           <a:p>
             <a:fld id="{B4C71EC6-210F-42DE-9C53-41977AD35B3D}" type="datetimeFigureOut">
               <a:rPr lang="ru-RU" smtClean="0"/>
-              <a:t>30.11.2017</a:t>
+              <a:t>06.12.2017</a:t>
             </a:fld>
             <a:endParaRPr lang="ru-RU"/>
           </a:p>
@@ -2548,7 +2551,7 @@
           <a:p>
             <a:fld id="{B4C71EC6-210F-42DE-9C53-41977AD35B3D}" type="datetimeFigureOut">
               <a:rPr lang="ru-RU" smtClean="0"/>
-              <a:t>30.11.2017</a:t>
+              <a:t>06.12.2017</a:t>
             </a:fld>
             <a:endParaRPr lang="ru-RU"/>
           </a:p>
@@ -2989,7 +2992,7 @@
           <a:p>
             <a:fld id="{B4C71EC6-210F-42DE-9C53-41977AD35B3D}" type="datetimeFigureOut">
               <a:rPr lang="ru-RU" smtClean="0"/>
-              <a:t>30.11.2017</a:t>
+              <a:t>06.12.2017</a:t>
             </a:fld>
             <a:endParaRPr lang="ru-RU"/>
           </a:p>
@@ -3085,7 +3088,7 @@
           <a:p>
             <a:fld id="{B4C71EC6-210F-42DE-9C53-41977AD35B3D}" type="datetimeFigureOut">
               <a:rPr lang="ru-RU" smtClean="0"/>
-              <a:t>30.11.2017</a:t>
+              <a:t>06.12.2017</a:t>
             </a:fld>
             <a:endParaRPr lang="ru-RU"/>
           </a:p>
@@ -3206,7 +3209,7 @@
           <a:p>
             <a:fld id="{B4C71EC6-210F-42DE-9C53-41977AD35B3D}" type="datetimeFigureOut">
               <a:rPr lang="ru-RU" smtClean="0"/>
-              <a:t>30.11.2017</a:t>
+              <a:t>06.12.2017</a:t>
             </a:fld>
             <a:endParaRPr lang="ru-RU"/>
           </a:p>
@@ -3475,7 +3478,7 @@
           <a:p>
             <a:fld id="{B4C71EC6-210F-42DE-9C53-41977AD35B3D}" type="datetimeFigureOut">
               <a:rPr lang="ru-RU" smtClean="0"/>
-              <a:t>30.11.2017</a:t>
+              <a:t>06.12.2017</a:t>
             </a:fld>
             <a:endParaRPr lang="ru-RU"/>
           </a:p>
@@ -3675,7 +3678,7 @@
           <a:p>
             <a:fld id="{B4C71EC6-210F-42DE-9C53-41977AD35B3D}" type="datetimeFigureOut">
               <a:rPr lang="ru-RU" smtClean="0"/>
-              <a:t>30.11.2017</a:t>
+              <a:t>06.12.2017</a:t>
             </a:fld>
             <a:endParaRPr lang="ru-RU"/>
           </a:p>
@@ -4793,7 +4796,7 @@
           <a:p>
             <a:fld id="{B4C71EC6-210F-42DE-9C53-41977AD35B3D}" type="datetimeFigureOut">
               <a:rPr lang="ru-RU" smtClean="0"/>
-              <a:t>30.11.2017</a:t>
+              <a:t>06.12.2017</a:t>
             </a:fld>
             <a:endParaRPr lang="ru-RU"/>
           </a:p>
@@ -5328,6 +5331,333 @@
                 <a:latin typeface="PT Sans" pitchFamily="34" charset="-52"/>
                 <a:ea typeface="PT Sans" pitchFamily="34" charset="-52"/>
               </a:rPr>
+              <a:t>Реорганизация дерева</a:t>
+            </a:r>
+          </a:p>
+        </p:txBody>
+      </p:sp>
+      <p:sp>
+        <p:nvSpPr>
+          <p:cNvPr id="6" name="Прямоугольник 5"/>
+          <p:cNvSpPr/>
+          <p:nvPr/>
+        </p:nvSpPr>
+        <p:spPr>
+          <a:xfrm>
+            <a:off x="6084168" y="5733256"/>
+            <a:ext cx="2775183" cy="369332"/>
+          </a:xfrm>
+          <a:prstGeom prst="rect">
+            <a:avLst/>
+          </a:prstGeom>
+        </p:spPr>
+        <p:txBody>
+          <a:bodyPr wrap="none">
+            <a:spAutoFit/>
+          </a:bodyPr>
+          <a:lstStyle/>
+          <a:p>
+            <a:r>
+              <a:rPr lang="en-US" dirty="0" smtClean="0">
+                <a:solidFill>
+                  <a:schemeClr val="accent5"/>
+                </a:solidFill>
+                <a:latin typeface="PT Sans"/>
+              </a:rPr>
+              <a:t>http</a:t>
+            </a:r>
+            <a:r>
+              <a:rPr lang="en-US" dirty="0">
+                <a:solidFill>
+                  <a:schemeClr val="accent5"/>
+                </a:solidFill>
+                <a:latin typeface="PT Sans"/>
+              </a:rPr>
+              <a:t>://</a:t>
+            </a:r>
+            <a:r>
+              <a:rPr lang="en-US" dirty="0" smtClean="0">
+                <a:solidFill>
+                  <a:schemeClr val="accent5"/>
+                </a:solidFill>
+                <a:latin typeface="PT Sans"/>
+              </a:rPr>
+              <a:t>developer.amd.com</a:t>
+            </a:r>
+            <a:endParaRPr lang="en-US" dirty="0">
+              <a:solidFill>
+                <a:schemeClr val="accent5"/>
+              </a:solidFill>
+              <a:latin typeface="PT Sans"/>
+            </a:endParaRPr>
+          </a:p>
+        </p:txBody>
+      </p:sp>
+      <p:pic>
+        <p:nvPicPr>
+          <p:cNvPr id="2052" name="Picture 4" descr="http://developer.amd.com/wordpress/media/2013/01/OpenCL-Optimization-Figure2.jpg"/>
+          <p:cNvPicPr>
+            <a:picLocks noChangeAspect="1" noChangeArrowheads="1"/>
+          </p:cNvPicPr>
+          <p:nvPr/>
+        </p:nvPicPr>
+        <p:blipFill>
+          <a:blip r:embed="rId2">
+            <a:extLst>
+              <a:ext uri="{28A0092B-C50C-407E-A947-70E740481C1C}">
+                <a14:useLocalDpi xmlns:a14="http://schemas.microsoft.com/office/drawing/2010/main" val="0"/>
+              </a:ext>
+            </a:extLst>
+          </a:blip>
+          <a:srcRect/>
+          <a:stretch>
+            <a:fillRect/>
+          </a:stretch>
+        </p:blipFill>
+        <p:spPr bwMode="auto">
+          <a:xfrm>
+            <a:off x="827584" y="1730040"/>
+            <a:ext cx="7443676" cy="3859200"/>
+          </a:xfrm>
+          <a:prstGeom prst="rect">
+            <a:avLst/>
+          </a:prstGeom>
+          <a:noFill/>
+          <a:extLst>
+            <a:ext uri="{909E8E84-426E-40DD-AFC4-6F175D3DCCD1}">
+              <a14:hiddenFill xmlns:a14="http://schemas.microsoft.com/office/drawing/2010/main">
+                <a:solidFill>
+                  <a:srgbClr val="FFFFFF"/>
+                </a:solidFill>
+              </a14:hiddenFill>
+            </a:ext>
+          </a:extLst>
+        </p:spPr>
+      </p:pic>
+    </p:spTree>
+    <p:extLst>
+      <p:ext uri="{BB962C8B-B14F-4D97-AF65-F5344CB8AC3E}">
+        <p14:creationId xmlns:p14="http://schemas.microsoft.com/office/powerpoint/2010/main" val="3978501907"/>
+      </p:ext>
+    </p:extLst>
+  </p:cSld>
+  <p:clrMapOvr>
+    <a:masterClrMapping/>
+  </p:clrMapOvr>
+  <p:timing>
+    <p:tnLst>
+      <p:par>
+        <p:cTn id="1" dur="indefinite" restart="never" nodeType="tmRoot"/>
+      </p:par>
+    </p:tnLst>
+  </p:timing>
+</p:sld>
+</file>
+
+<file path=ppt/slides/slide11.xml><?xml version="1.0" encoding="utf-8"?>
+<p:sld xmlns:a="http://schemas.openxmlformats.org/drawingml/2006/main" xmlns:r="http://schemas.openxmlformats.org/officeDocument/2006/relationships" xmlns:p="http://schemas.openxmlformats.org/presentationml/2006/main">
+  <p:cSld>
+    <p:spTree>
+      <p:nvGrpSpPr>
+        <p:cNvPr id="1" name=""/>
+        <p:cNvGrpSpPr/>
+        <p:nvPr/>
+      </p:nvGrpSpPr>
+      <p:grpSpPr>
+        <a:xfrm>
+          <a:off x="0" y="0"/>
+          <a:ext cx="0" cy="0"/>
+          <a:chOff x="0" y="0"/>
+          <a:chExt cx="0" cy="0"/>
+        </a:xfrm>
+      </p:grpSpPr>
+      <p:sp>
+        <p:nvSpPr>
+          <p:cNvPr id="10" name="Заголовок 9"/>
+          <p:cNvSpPr>
+            <a:spLocks noGrp="1"/>
+          </p:cNvSpPr>
+          <p:nvPr>
+            <p:ph type="title"/>
+          </p:nvPr>
+        </p:nvSpPr>
+        <p:spPr/>
+        <p:txBody>
+          <a:bodyPr vert="horz" rtlCol="0" anchor="ctr">
+            <a:normAutofit/>
+            <a:scene3d>
+              <a:camera prst="orthographicFront"/>
+              <a:lightRig rig="soft" dir="t"/>
+            </a:scene3d>
+            <a:sp3d prstMaterial="softEdge">
+              <a:bevelT w="25400" h="25400"/>
+            </a:sp3d>
+          </a:bodyPr>
+          <a:lstStyle/>
+          <a:p>
+            <a:r>
+              <a:rPr lang="ru-RU" sz="4000" dirty="0" smtClean="0">
+                <a:latin typeface="PT Sans" pitchFamily="34" charset="-52"/>
+                <a:ea typeface="PT Sans" pitchFamily="34" charset="-52"/>
+              </a:rPr>
+              <a:t>Двухэтапная редукция</a:t>
+            </a:r>
+            <a:endParaRPr lang="ru-RU" sz="4000" dirty="0">
+              <a:latin typeface="PT Sans" pitchFamily="34" charset="-52"/>
+              <a:ea typeface="PT Sans" pitchFamily="34" charset="-52"/>
+            </a:endParaRPr>
+          </a:p>
+        </p:txBody>
+      </p:sp>
+      <p:sp>
+        <p:nvSpPr>
+          <p:cNvPr id="13" name="Объект 2"/>
+          <p:cNvSpPr>
+            <a:spLocks noGrp="1"/>
+          </p:cNvSpPr>
+          <p:nvPr>
+            <p:ph idx="1"/>
+          </p:nvPr>
+        </p:nvSpPr>
+        <p:spPr/>
+        <p:txBody>
+          <a:bodyPr vert="horz">
+            <a:normAutofit/>
+          </a:bodyPr>
+          <a:lstStyle/>
+          <a:p>
+            <a:r>
+              <a:rPr lang="ru-RU" sz="2800" dirty="0" smtClean="0">
+                <a:latin typeface="PT Sans" pitchFamily="34" charset="-52"/>
+                <a:ea typeface="PT Sans" pitchFamily="34" charset="-52"/>
+              </a:rPr>
+              <a:t>Развитие идеи со сложением элементов при загрузке</a:t>
+            </a:r>
+          </a:p>
+          <a:p>
+            <a:r>
+              <a:rPr lang="ru-RU" sz="2800" dirty="0" smtClean="0">
+                <a:latin typeface="PT Sans" pitchFamily="34" charset="-52"/>
+                <a:ea typeface="PT Sans" pitchFamily="34" charset="-52"/>
+              </a:rPr>
+              <a:t>Количество элементов кратно меньше </a:t>
+            </a:r>
+            <a:r>
+              <a:rPr lang="en-US" sz="2800" i="1" dirty="0">
+                <a:latin typeface="PT Sans" pitchFamily="34" charset="-52"/>
+                <a:ea typeface="PT Sans" pitchFamily="34" charset="-52"/>
+              </a:rPr>
+              <a:t>n</a:t>
+            </a:r>
+            <a:endParaRPr lang="ru-RU" sz="2800" i="1" dirty="0" smtClean="0">
+              <a:latin typeface="PT Sans" pitchFamily="34" charset="-52"/>
+              <a:ea typeface="PT Sans" pitchFamily="34" charset="-52"/>
+            </a:endParaRPr>
+          </a:p>
+          <a:p>
+            <a:r>
+              <a:rPr lang="ru-RU" sz="2800" dirty="0" smtClean="0">
+                <a:latin typeface="PT Sans" pitchFamily="34" charset="-52"/>
+                <a:ea typeface="PT Sans" pitchFamily="34" charset="-52"/>
+              </a:rPr>
+              <a:t>Последовательный цикл для каждого элемента</a:t>
+            </a:r>
+            <a:r>
+              <a:rPr lang="en-US" sz="2800" dirty="0" smtClean="0">
+                <a:latin typeface="PT Sans" pitchFamily="34" charset="-52"/>
+                <a:ea typeface="PT Sans" pitchFamily="34" charset="-52"/>
+              </a:rPr>
+              <a:t> </a:t>
+            </a:r>
+            <a:r>
+              <a:rPr lang="ru-RU" sz="2800" dirty="0" smtClean="0">
+                <a:latin typeface="PT Sans" pitchFamily="34" charset="-52"/>
+                <a:ea typeface="PT Sans" pitchFamily="34" charset="-52"/>
+              </a:rPr>
+              <a:t>по массиву</a:t>
+            </a:r>
+          </a:p>
+          <a:p>
+            <a:r>
+              <a:rPr lang="ru-RU" sz="2800" dirty="0" smtClean="0">
+                <a:latin typeface="PT Sans" pitchFamily="34" charset="-52"/>
+                <a:ea typeface="PT Sans" pitchFamily="34" charset="-52"/>
+              </a:rPr>
+              <a:t>Параллельная редукция по группам</a:t>
+            </a:r>
+            <a:endParaRPr lang="ru-RU" sz="2400" dirty="0" smtClean="0">
+              <a:latin typeface="PT Sans" pitchFamily="34" charset="-52"/>
+              <a:ea typeface="PT Sans" pitchFamily="34" charset="-52"/>
+            </a:endParaRPr>
+          </a:p>
+        </p:txBody>
+      </p:sp>
+    </p:spTree>
+    <p:extLst>
+      <p:ext uri="{BB962C8B-B14F-4D97-AF65-F5344CB8AC3E}">
+        <p14:creationId xmlns:p14="http://schemas.microsoft.com/office/powerpoint/2010/main" val="3747153210"/>
+      </p:ext>
+    </p:extLst>
+  </p:cSld>
+  <p:clrMapOvr>
+    <a:masterClrMapping/>
+  </p:clrMapOvr>
+  <p:timing>
+    <p:tnLst>
+      <p:par>
+        <p:cTn id="1" dur="indefinite" restart="never" nodeType="tmRoot"/>
+      </p:par>
+    </p:tnLst>
+  </p:timing>
+</p:sld>
+</file>
+
+<file path=ppt/slides/slide12.xml><?xml version="1.0" encoding="utf-8"?>
+<p:sld xmlns:a="http://schemas.openxmlformats.org/drawingml/2006/main" xmlns:r="http://schemas.openxmlformats.org/officeDocument/2006/relationships" xmlns:p="http://schemas.openxmlformats.org/presentationml/2006/main">
+  <p:cSld>
+    <p:spTree>
+      <p:nvGrpSpPr>
+        <p:cNvPr id="1" name=""/>
+        <p:cNvGrpSpPr/>
+        <p:nvPr/>
+      </p:nvGrpSpPr>
+      <p:grpSpPr>
+        <a:xfrm>
+          <a:off x="0" y="0"/>
+          <a:ext cx="0" cy="0"/>
+          <a:chOff x="0" y="0"/>
+          <a:chExt cx="0" cy="0"/>
+        </a:xfrm>
+      </p:grpSpPr>
+      <p:sp>
+        <p:nvSpPr>
+          <p:cNvPr id="10" name="Заголовок 9"/>
+          <p:cNvSpPr>
+            <a:spLocks noGrp="1"/>
+          </p:cNvSpPr>
+          <p:nvPr>
+            <p:ph type="title"/>
+          </p:nvPr>
+        </p:nvSpPr>
+        <p:spPr/>
+        <p:txBody>
+          <a:bodyPr vert="horz" rtlCol="0" anchor="ctr">
+            <a:normAutofit/>
+            <a:scene3d>
+              <a:camera prst="orthographicFront"/>
+              <a:lightRig rig="soft" dir="t"/>
+            </a:scene3d>
+            <a:sp3d prstMaterial="softEdge">
+              <a:bevelT w="25400" h="25400"/>
+            </a:sp3d>
+          </a:bodyPr>
+          <a:lstStyle/>
+          <a:p>
+            <a:r>
+              <a:rPr lang="ru-RU" sz="4000" dirty="0">
+                <a:latin typeface="PT Sans" pitchFamily="34" charset="-52"/>
+                <a:ea typeface="PT Sans" pitchFamily="34" charset="-52"/>
+              </a:rPr>
               <a:t>Двухэтапная редукция</a:t>
             </a:r>
           </a:p>
@@ -5451,7 +5781,118 @@
 </p:sld>
 </file>
 
-<file path=ppt/slides/slide11.xml><?xml version="1.0" encoding="utf-8"?>
+<file path=ppt/slides/slide13.xml><?xml version="1.0" encoding="utf-8"?>
+<p:sld xmlns:a="http://schemas.openxmlformats.org/drawingml/2006/main" xmlns:r="http://schemas.openxmlformats.org/officeDocument/2006/relationships" xmlns:p="http://schemas.openxmlformats.org/presentationml/2006/main">
+  <p:cSld>
+    <p:spTree>
+      <p:nvGrpSpPr>
+        <p:cNvPr id="1" name=""/>
+        <p:cNvGrpSpPr/>
+        <p:nvPr/>
+      </p:nvGrpSpPr>
+      <p:grpSpPr>
+        <a:xfrm>
+          <a:off x="0" y="0"/>
+          <a:ext cx="0" cy="0"/>
+          <a:chOff x="0" y="0"/>
+          <a:chExt cx="0" cy="0"/>
+        </a:xfrm>
+      </p:grpSpPr>
+      <p:sp>
+        <p:nvSpPr>
+          <p:cNvPr id="10" name="Заголовок 9"/>
+          <p:cNvSpPr>
+            <a:spLocks noGrp="1"/>
+          </p:cNvSpPr>
+          <p:nvPr>
+            <p:ph type="title"/>
+          </p:nvPr>
+        </p:nvSpPr>
+        <p:spPr/>
+        <p:txBody>
+          <a:bodyPr vert="horz" rtlCol="0" anchor="ctr">
+            <a:normAutofit/>
+            <a:scene3d>
+              <a:camera prst="orthographicFront"/>
+              <a:lightRig rig="soft" dir="t"/>
+            </a:scene3d>
+            <a:sp3d prstMaterial="softEdge">
+              <a:bevelT w="25400" h="25400"/>
+            </a:sp3d>
+          </a:bodyPr>
+          <a:lstStyle/>
+          <a:p>
+            <a:r>
+              <a:rPr lang="ru-RU" sz="4000" dirty="0" smtClean="0">
+                <a:latin typeface="PT Sans" pitchFamily="34" charset="-52"/>
+                <a:ea typeface="PT Sans" pitchFamily="34" charset="-52"/>
+              </a:rPr>
+              <a:t>Векторная редукция</a:t>
+            </a:r>
+            <a:endParaRPr lang="ru-RU" sz="4000" dirty="0">
+              <a:latin typeface="PT Sans" pitchFamily="34" charset="-52"/>
+              <a:ea typeface="PT Sans" pitchFamily="34" charset="-52"/>
+            </a:endParaRPr>
+          </a:p>
+        </p:txBody>
+      </p:sp>
+      <p:sp>
+        <p:nvSpPr>
+          <p:cNvPr id="13" name="Объект 2"/>
+          <p:cNvSpPr>
+            <a:spLocks noGrp="1"/>
+          </p:cNvSpPr>
+          <p:nvPr>
+            <p:ph idx="1"/>
+          </p:nvPr>
+        </p:nvSpPr>
+        <p:spPr/>
+        <p:txBody>
+          <a:bodyPr vert="horz">
+            <a:normAutofit/>
+          </a:bodyPr>
+          <a:lstStyle/>
+          <a:p>
+            <a:r>
+              <a:rPr lang="ru-RU" sz="2800" dirty="0" smtClean="0">
+                <a:latin typeface="PT Sans" pitchFamily="34" charset="-52"/>
+                <a:ea typeface="PT Sans" pitchFamily="34" charset="-52"/>
+              </a:rPr>
+              <a:t>Вариант двухэтапной редукции</a:t>
+            </a:r>
+          </a:p>
+          <a:p>
+            <a:r>
+              <a:rPr lang="ru-RU" sz="2800" dirty="0" smtClean="0">
+                <a:latin typeface="PT Sans" pitchFamily="34" charset="-52"/>
+                <a:ea typeface="PT Sans" pitchFamily="34" charset="-52"/>
+              </a:rPr>
+              <a:t>В цикле для каждого элемента обрабатывается сразу 16 значений</a:t>
+            </a:r>
+          </a:p>
+        </p:txBody>
+      </p:sp>
+    </p:spTree>
+    <p:extLst>
+      <p:ext uri="{BB962C8B-B14F-4D97-AF65-F5344CB8AC3E}">
+        <p14:creationId xmlns:p14="http://schemas.microsoft.com/office/powerpoint/2010/main" val="2412540117"/>
+      </p:ext>
+    </p:extLst>
+  </p:cSld>
+  <p:clrMapOvr>
+    <a:masterClrMapping/>
+  </p:clrMapOvr>
+  <p:timing>
+    <p:tnLst>
+      <p:par>
+        <p:cTn id="1" dur="indefinite" restart="never" nodeType="tmRoot"/>
+      </p:par>
+    </p:tnLst>
+  </p:timing>
+</p:sld>
+</file>
+
+<file path=ppt/slides/slide14.xml><?xml version="1.0" encoding="utf-8"?>
 <p:sld xmlns:a="http://schemas.openxmlformats.org/drawingml/2006/main" xmlns:r="http://schemas.openxmlformats.org/officeDocument/2006/relationships" xmlns:p="http://schemas.openxmlformats.org/presentationml/2006/main">
   <p:cSld>
     <p:bg>
@@ -5574,7 +6015,14 @@
                 <a:latin typeface="PT Sans" pitchFamily="34" charset="-52"/>
                 <a:ea typeface="PT Sans" pitchFamily="34" charset="-52"/>
               </a:rPr>
-              <a:t>-d)</a:t>
+              <a:t>d)</a:t>
+            </a:r>
+            <a:r>
+              <a:rPr lang="ru-RU" sz="2400" dirty="0" smtClean="0">
+                <a:latin typeface="PT Sans" pitchFamily="34" charset="-52"/>
+                <a:ea typeface="PT Sans" pitchFamily="34" charset="-52"/>
+              </a:rPr>
+              <a:t> с векторизацией</a:t>
             </a:r>
             <a:endParaRPr lang="ru-RU" sz="2000" dirty="0" smtClean="0">
               <a:latin typeface="PT Sans" pitchFamily="34" charset="-52"/>
@@ -5655,7 +6103,7 @@
                 <a:latin typeface="PT Sans" pitchFamily="34" charset="-52"/>
                 <a:ea typeface="PT Sans" pitchFamily="34" charset="-52"/>
               </a:rPr>
-              <a:t>Произведение матриц</a:t>
+              <a:t>Оптимизации</a:t>
             </a:r>
             <a:endParaRPr lang="ru-RU" sz="4000" dirty="0">
               <a:latin typeface="PT Sans" pitchFamily="34" charset="-52"/>
@@ -5686,100 +6134,113 @@
                 <a:latin typeface="PT Sans" pitchFamily="34" charset="-52"/>
                 <a:ea typeface="PT Sans" pitchFamily="34" charset="-52"/>
               </a:rPr>
-              <a:t>Пример: оптимизация перемножения матриц</a:t>
-            </a:r>
-          </a:p>
-          <a:p>
+              <a:t>Для </a:t>
+            </a:r>
+            <a:r>
+              <a:rPr lang="en-US" sz="2800" dirty="0" err="1" smtClean="0">
+                <a:latin typeface="PT Sans" pitchFamily="34" charset="-52"/>
+                <a:ea typeface="PT Sans" pitchFamily="34" charset="-52"/>
+              </a:rPr>
+              <a:t>OpenCL</a:t>
+            </a:r>
+            <a:r>
+              <a:rPr lang="en-US" sz="2800" dirty="0" smtClean="0">
+                <a:latin typeface="PT Sans" pitchFamily="34" charset="-52"/>
+                <a:ea typeface="PT Sans" pitchFamily="34" charset="-52"/>
+              </a:rPr>
+              <a:t> </a:t>
+            </a:r>
             <a:r>
               <a:rPr lang="ru-RU" sz="2800" dirty="0" smtClean="0">
                 <a:latin typeface="PT Sans" pitchFamily="34" charset="-52"/>
                 <a:ea typeface="PT Sans" pitchFamily="34" charset="-52"/>
               </a:rPr>
-              <a:t>Одномерная область вычислений размером </a:t>
+              <a:t>применимы </a:t>
+            </a:r>
+            <a:r>
+              <a:rPr lang="ru-RU" sz="2800" dirty="0" smtClean="0">
+                <a:latin typeface="PT Sans" pitchFamily="34" charset="-52"/>
+                <a:ea typeface="PT Sans" pitchFamily="34" charset="-52"/>
+              </a:rPr>
+              <a:t>принципы </a:t>
+            </a:r>
+            <a:r>
+              <a:rPr lang="ru-RU" sz="2800" dirty="0" smtClean="0">
+                <a:latin typeface="PT Sans" pitchFamily="34" charset="-52"/>
+                <a:ea typeface="PT Sans" pitchFamily="34" charset="-52"/>
+              </a:rPr>
+              <a:t>«слияния» запросов в память</a:t>
+            </a:r>
+          </a:p>
+          <a:p>
+            <a:pPr lvl="1"/>
+            <a:r>
+              <a:rPr lang="ru-RU" sz="2400" dirty="0" smtClean="0">
+                <a:latin typeface="PT Sans" pitchFamily="34" charset="-52"/>
+                <a:ea typeface="PT Sans" pitchFamily="34" charset="-52"/>
+              </a:rPr>
+              <a:t>32 рабочих элемента </a:t>
+            </a:r>
+            <a:r>
+              <a:rPr lang="ru-RU" sz="2400" dirty="0" smtClean="0">
+                <a:latin typeface="PT Sans" pitchFamily="34" charset="-52"/>
+                <a:ea typeface="PT Sans" pitchFamily="34" charset="-52"/>
+              </a:rPr>
+              <a:t>из одной группы считывают </a:t>
+            </a:r>
+            <a:r>
+              <a:rPr lang="ru-RU" sz="2400" dirty="0" smtClean="0">
+                <a:latin typeface="PT Sans" pitchFamily="34" charset="-52"/>
+                <a:ea typeface="PT Sans" pitchFamily="34" charset="-52"/>
+              </a:rPr>
+              <a:t>непрерывный блок в глобальной памяти размером 128 байт одним запросом</a:t>
+            </a:r>
+          </a:p>
+          <a:p>
+            <a:pPr lvl="1"/>
+            <a:r>
+              <a:rPr lang="ru-RU" sz="2400" dirty="0" smtClean="0">
+                <a:latin typeface="PT Sans" pitchFamily="34" charset="-52"/>
+                <a:ea typeface="PT Sans" pitchFamily="34" charset="-52"/>
+              </a:rPr>
+              <a:t>Выгоднее использовать массивы размер которых кратен 16/32/64 байтам</a:t>
+            </a:r>
+          </a:p>
+          <a:p>
+            <a:r>
+              <a:rPr lang="ru-RU" sz="2800" dirty="0" smtClean="0">
+                <a:latin typeface="PT Sans" pitchFamily="34" charset="-52"/>
+                <a:ea typeface="PT Sans" pitchFamily="34" charset="-52"/>
+              </a:rPr>
+              <a:t>Как минимум 4 рабочих элемента на 1 </a:t>
             </a:r>
             <a:r>
               <a:rPr lang="en-US" sz="2800" dirty="0" smtClean="0">
                 <a:latin typeface="PT Sans" pitchFamily="34" charset="-52"/>
                 <a:ea typeface="PT Sans" pitchFamily="34" charset="-52"/>
               </a:rPr>
-              <a:t>n</a:t>
-            </a:r>
-          </a:p>
-          <a:p>
+              <a:t>Processing Element </a:t>
+            </a:r>
             <a:r>
               <a:rPr lang="ru-RU" sz="2800" dirty="0" smtClean="0">
                 <a:latin typeface="PT Sans" pitchFamily="34" charset="-52"/>
                 <a:ea typeface="PT Sans" pitchFamily="34" charset="-52"/>
               </a:rPr>
-              <a:t>Каждый рабочий элемент обсчитывает свою строку матрицы С</a:t>
-            </a:r>
-          </a:p>
-          <a:p>
-            <a:r>
-              <a:rPr lang="ru-RU" sz="2800" dirty="0" smtClean="0">
-                <a:latin typeface="PT Sans" pitchFamily="34" charset="-52"/>
-                <a:ea typeface="PT Sans" pitchFamily="34" charset="-52"/>
-              </a:rPr>
-              <a:t>Использование частной памяти – массив размером </a:t>
-            </a:r>
-            <a:r>
-              <a:rPr lang="en-US" sz="2800" dirty="0" smtClean="0">
-                <a:latin typeface="PT Sans" pitchFamily="34" charset="-52"/>
-                <a:ea typeface="PT Sans" pitchFamily="34" charset="-52"/>
-              </a:rPr>
-              <a:t>n</a:t>
-            </a:r>
-            <a:r>
-              <a:rPr lang="ru-RU" sz="2800" dirty="0" smtClean="0">
-                <a:latin typeface="PT Sans" pitchFamily="34" charset="-52"/>
-                <a:ea typeface="PT Sans" pitchFamily="34" charset="-52"/>
-              </a:rPr>
-              <a:t> для хранения строки матрицы А</a:t>
-            </a:r>
-          </a:p>
-          <a:p>
-            <a:r>
-              <a:rPr lang="ru-RU" sz="2800" dirty="0" smtClean="0">
-                <a:latin typeface="PT Sans" pitchFamily="34" charset="-52"/>
-                <a:ea typeface="PT Sans" pitchFamily="34" charset="-52"/>
-              </a:rPr>
-              <a:t>Использование </a:t>
-            </a:r>
-            <a:r>
-              <a:rPr lang="ru-RU" sz="2800" dirty="0">
-                <a:latin typeface="PT Sans" pitchFamily="34" charset="-52"/>
-                <a:ea typeface="PT Sans" pitchFamily="34" charset="-52"/>
-              </a:rPr>
-              <a:t>локальной памяти – копирование столбца матрицы В </a:t>
-            </a:r>
-            <a:r>
-              <a:rPr lang="ru-RU" sz="2800" dirty="0" err="1">
-                <a:latin typeface="PT Sans" pitchFamily="34" charset="-52"/>
-                <a:ea typeface="PT Sans" pitchFamily="34" charset="-52"/>
-              </a:rPr>
-              <a:t>в</a:t>
-            </a:r>
-            <a:r>
-              <a:rPr lang="ru-RU" sz="2800" dirty="0">
-                <a:latin typeface="PT Sans" pitchFamily="34" charset="-52"/>
-                <a:ea typeface="PT Sans" pitchFamily="34" charset="-52"/>
-              </a:rPr>
-              <a:t> локальную </a:t>
-            </a:r>
-            <a:r>
-              <a:rPr lang="ru-RU" sz="2800" dirty="0" smtClean="0">
-                <a:latin typeface="PT Sans" pitchFamily="34" charset="-52"/>
-                <a:ea typeface="PT Sans" pitchFamily="34" charset="-52"/>
-              </a:rPr>
-              <a:t>память</a:t>
-            </a:r>
+              <a:t>(больше – лучше)</a:t>
+            </a:r>
+          </a:p>
+          <a:p>
+            <a:endParaRPr lang="ru-RU" sz="2800" dirty="0">
+              <a:latin typeface="PT Sans" pitchFamily="34" charset="-52"/>
+              <a:ea typeface="PT Sans" pitchFamily="34" charset="-52"/>
+            </a:endParaRPr>
           </a:p>
         </p:txBody>
       </p:sp>
     </p:spTree>
     <p:extLst>
       <p:ext uri="{BB962C8B-B14F-4D97-AF65-F5344CB8AC3E}">
-        <p14:creationId xmlns:p14="http://schemas.microsoft.com/office/powerpoint/2010/main" val="250050693"/>
+        <p14:creationId xmlns:p14="http://schemas.microsoft.com/office/powerpoint/2010/main" val="2363053751"/>
       </p:ext>
     </p:extLst>
   </p:cSld>
@@ -5842,7 +6303,7 @@
                 <a:latin typeface="PT Sans" pitchFamily="34" charset="-52"/>
                 <a:ea typeface="PT Sans" pitchFamily="34" charset="-52"/>
               </a:rPr>
-              <a:t>Произведение матриц</a:t>
+              <a:t>Оптимизации</a:t>
             </a:r>
             <a:endParaRPr lang="ru-RU" sz="4000" dirty="0">
               <a:latin typeface="PT Sans" pitchFamily="34" charset="-52"/>
@@ -5873,7 +6334,7 @@
                 <a:latin typeface="PT Sans" pitchFamily="34" charset="-52"/>
                 <a:ea typeface="PT Sans" pitchFamily="34" charset="-52"/>
               </a:rPr>
-              <a:t>Пример: оптимизация перемножения матриц</a:t>
+              <a:t>По возможности избегать ветвлений, особенно в сочетании с синхронизацией</a:t>
             </a:r>
           </a:p>
           <a:p>
@@ -5882,7 +6343,7 @@
                 <a:latin typeface="PT Sans" pitchFamily="34" charset="-52"/>
                 <a:ea typeface="PT Sans" pitchFamily="34" charset="-52"/>
               </a:rPr>
-              <a:t>Двумерная область вычислений</a:t>
+              <a:t>Структура из массивов предпочтительнее массива структур</a:t>
             </a:r>
           </a:p>
           <a:p>
@@ -5891,29 +6352,49 @@
                 <a:latin typeface="PT Sans" pitchFamily="34" charset="-52"/>
                 <a:ea typeface="PT Sans" pitchFamily="34" charset="-52"/>
               </a:rPr>
-              <a:t>Блочное произведение матриц по аналогии с </a:t>
+              <a:t>Развертка многомерных матриц в одномерные массивы</a:t>
+            </a:r>
+          </a:p>
+          <a:p>
+            <a:r>
+              <a:rPr lang="ru-RU" sz="2800" dirty="0" smtClean="0">
+                <a:latin typeface="PT Sans" pitchFamily="34" charset="-52"/>
+                <a:ea typeface="PT Sans" pitchFamily="34" charset="-52"/>
+              </a:rPr>
+              <a:t>Код необходимо тестировать для подбора оптимальных параметров под </a:t>
             </a:r>
             <a:r>
               <a:rPr lang="en-US" sz="2800" dirty="0" smtClean="0">
                 <a:latin typeface="PT Sans" pitchFamily="34" charset="-52"/>
                 <a:ea typeface="PT Sans" pitchFamily="34" charset="-52"/>
               </a:rPr>
-              <a:t>CUDA</a:t>
+              <a:t>CPU/GPU </a:t>
             </a:r>
             <a:r>
               <a:rPr lang="ru-RU" sz="2800" dirty="0" smtClean="0">
                 <a:latin typeface="PT Sans" pitchFamily="34" charset="-52"/>
                 <a:ea typeface="PT Sans" pitchFamily="34" charset="-52"/>
               </a:rPr>
-              <a:t>-версией</a:t>
-            </a:r>
+              <a:t>конкретных </a:t>
+            </a:r>
+            <a:r>
+              <a:rPr lang="ru-RU" sz="2800" dirty="0" err="1" smtClean="0">
+                <a:latin typeface="PT Sans" pitchFamily="34" charset="-52"/>
+                <a:ea typeface="PT Sans" pitchFamily="34" charset="-52"/>
+              </a:rPr>
+              <a:t>вендоров</a:t>
+            </a:r>
+            <a:endParaRPr lang="ru-RU" sz="2800" dirty="0">
+              <a:latin typeface="PT Sans" pitchFamily="34" charset="-52"/>
+              <a:ea typeface="PT Sans" pitchFamily="34" charset="-52"/>
+            </a:endParaRPr>
           </a:p>
         </p:txBody>
       </p:sp>
     </p:spTree>
     <p:extLst>
       <p:ext uri="{BB962C8B-B14F-4D97-AF65-F5344CB8AC3E}">
-        <p14:creationId xmlns:p14="http://schemas.microsoft.com/office/powerpoint/2010/main" val="1307494630"/>
+        <p14:creationId xmlns:p14="http://schemas.microsoft.com/office/powerpoint/2010/main" val="2982803830"/>
       </p:ext>
     </p:extLst>
   </p:cSld>
@@ -5976,14 +6457,7 @@
                 <a:latin typeface="PT Sans" pitchFamily="34" charset="-52"/>
                 <a:ea typeface="PT Sans" pitchFamily="34" charset="-52"/>
               </a:rPr>
-              <a:t>Редукция на </a:t>
-            </a:r>
-            <a:r>
-              <a:rPr lang="en-US" sz="4000" dirty="0" err="1" smtClean="0">
-                <a:latin typeface="PT Sans" pitchFamily="34" charset="-52"/>
-                <a:ea typeface="PT Sans" pitchFamily="34" charset="-52"/>
-              </a:rPr>
-              <a:t>OpenCL</a:t>
+              <a:t>Произведение матриц</a:t>
             </a:r>
             <a:endParaRPr lang="ru-RU" sz="4000" dirty="0">
               <a:latin typeface="PT Sans" pitchFamily="34" charset="-52"/>
@@ -6014,7 +6488,7 @@
                 <a:latin typeface="PT Sans" pitchFamily="34" charset="-52"/>
                 <a:ea typeface="PT Sans" pitchFamily="34" charset="-52"/>
               </a:rPr>
-              <a:t>Классический алгоритм для демонстрации техник оптимизации</a:t>
+              <a:t>Пример: оптимизация перемножения матриц</a:t>
             </a:r>
           </a:p>
           <a:p>
@@ -6023,14 +6497,14 @@
                 <a:latin typeface="PT Sans" pitchFamily="34" charset="-52"/>
                 <a:ea typeface="PT Sans" pitchFamily="34" charset="-52"/>
               </a:rPr>
-              <a:t>Простая последовательная реализация </a:t>
+              <a:t>Одномерная область вычислений размером </a:t>
             </a:r>
             <a:r>
               <a:rPr lang="en-US" sz="2800" dirty="0" smtClean="0">
                 <a:latin typeface="PT Sans" pitchFamily="34" charset="-52"/>
                 <a:ea typeface="PT Sans" pitchFamily="34" charset="-52"/>
               </a:rPr>
-              <a:t>O(n)</a:t>
+              <a:t>n</a:t>
             </a:r>
           </a:p>
           <a:p>
@@ -6039,7 +6513,7 @@
                 <a:latin typeface="PT Sans" pitchFamily="34" charset="-52"/>
                 <a:ea typeface="PT Sans" pitchFamily="34" charset="-52"/>
               </a:rPr>
-              <a:t>Параллельный алгоритм нетривиален</a:t>
+              <a:t>Каждый рабочий элемент обсчитывает свою строку матрицы С</a:t>
             </a:r>
           </a:p>
           <a:p>
@@ -6048,7 +6522,58 @@
                 <a:latin typeface="PT Sans" pitchFamily="34" charset="-52"/>
                 <a:ea typeface="PT Sans" pitchFamily="34" charset="-52"/>
               </a:rPr>
-              <a:t>Параллельные версии сильно различаются по производительности</a:t>
+              <a:t>Использование частной памяти – массив размером </a:t>
+            </a:r>
+            <a:r>
+              <a:rPr lang="en-US" sz="2800" dirty="0" smtClean="0">
+                <a:latin typeface="PT Sans" pitchFamily="34" charset="-52"/>
+                <a:ea typeface="PT Sans" pitchFamily="34" charset="-52"/>
+              </a:rPr>
+              <a:t>n</a:t>
+            </a:r>
+            <a:r>
+              <a:rPr lang="ru-RU" sz="2800" dirty="0" smtClean="0">
+                <a:latin typeface="PT Sans" pitchFamily="34" charset="-52"/>
+                <a:ea typeface="PT Sans" pitchFamily="34" charset="-52"/>
+              </a:rPr>
+              <a:t> для хранения строки матрицы А</a:t>
+            </a:r>
+          </a:p>
+          <a:p>
+            <a:r>
+              <a:rPr lang="ru-RU" sz="2800" dirty="0" smtClean="0">
+                <a:latin typeface="PT Sans" pitchFamily="34" charset="-52"/>
+                <a:ea typeface="PT Sans" pitchFamily="34" charset="-52"/>
+              </a:rPr>
+              <a:t>Использование </a:t>
+            </a:r>
+            <a:r>
+              <a:rPr lang="ru-RU" sz="2800" dirty="0">
+                <a:latin typeface="PT Sans" pitchFamily="34" charset="-52"/>
+                <a:ea typeface="PT Sans" pitchFamily="34" charset="-52"/>
+              </a:rPr>
+              <a:t>локальной памяти – копирование столбца матрицы В </a:t>
+            </a:r>
+            <a:r>
+              <a:rPr lang="ru-RU" sz="2800" dirty="0" err="1">
+                <a:latin typeface="PT Sans" pitchFamily="34" charset="-52"/>
+                <a:ea typeface="PT Sans" pitchFamily="34" charset="-52"/>
+              </a:rPr>
+              <a:t>в</a:t>
+            </a:r>
+            <a:r>
+              <a:rPr lang="ru-RU" sz="2800" dirty="0">
+                <a:latin typeface="PT Sans" pitchFamily="34" charset="-52"/>
+                <a:ea typeface="PT Sans" pitchFamily="34" charset="-52"/>
+              </a:rPr>
+              <a:t> локальную </a:t>
+            </a:r>
+            <a:r>
+              <a:rPr lang="ru-RU" sz="2800" dirty="0" smtClean="0">
+                <a:latin typeface="PT Sans" pitchFamily="34" charset="-52"/>
+                <a:ea typeface="PT Sans" pitchFamily="34" charset="-52"/>
+              </a:rPr>
+              <a:t>память</a:t>
             </a:r>
           </a:p>
         </p:txBody>
@@ -6056,7 +6581,7 @@
     </p:spTree>
     <p:extLst>
       <p:ext uri="{BB962C8B-B14F-4D97-AF65-F5344CB8AC3E}">
-        <p14:creationId xmlns:p14="http://schemas.microsoft.com/office/powerpoint/2010/main" val="991418011"/>
+        <p14:creationId xmlns:p14="http://schemas.microsoft.com/office/powerpoint/2010/main" val="250050693"/>
       </p:ext>
     </p:extLst>
   </p:cSld>
@@ -6115,6 +6640,283 @@
           <a:lstStyle/>
           <a:p>
             <a:r>
+              <a:rPr lang="ru-RU" sz="4000" dirty="0" smtClean="0">
+                <a:latin typeface="PT Sans" pitchFamily="34" charset="-52"/>
+                <a:ea typeface="PT Sans" pitchFamily="34" charset="-52"/>
+              </a:rPr>
+              <a:t>Произведение матриц</a:t>
+            </a:r>
+            <a:endParaRPr lang="ru-RU" sz="4000" dirty="0">
+              <a:latin typeface="PT Sans" pitchFamily="34" charset="-52"/>
+              <a:ea typeface="PT Sans" pitchFamily="34" charset="-52"/>
+            </a:endParaRPr>
+          </a:p>
+        </p:txBody>
+      </p:sp>
+      <p:sp>
+        <p:nvSpPr>
+          <p:cNvPr id="13" name="Объект 2"/>
+          <p:cNvSpPr>
+            <a:spLocks noGrp="1"/>
+          </p:cNvSpPr>
+          <p:nvPr>
+            <p:ph idx="1"/>
+          </p:nvPr>
+        </p:nvSpPr>
+        <p:spPr/>
+        <p:txBody>
+          <a:bodyPr vert="horz">
+            <a:normAutofit/>
+          </a:bodyPr>
+          <a:lstStyle/>
+          <a:p>
+            <a:r>
+              <a:rPr lang="ru-RU" sz="2800" dirty="0" smtClean="0">
+                <a:latin typeface="PT Sans" pitchFamily="34" charset="-52"/>
+                <a:ea typeface="PT Sans" pitchFamily="34" charset="-52"/>
+              </a:rPr>
+              <a:t>Пример: оптимизация перемножения матриц</a:t>
+            </a:r>
+          </a:p>
+          <a:p>
+            <a:r>
+              <a:rPr lang="ru-RU" sz="2800" dirty="0" smtClean="0">
+                <a:latin typeface="PT Sans" pitchFamily="34" charset="-52"/>
+                <a:ea typeface="PT Sans" pitchFamily="34" charset="-52"/>
+              </a:rPr>
+              <a:t>Двумерная область вычислений</a:t>
+            </a:r>
+          </a:p>
+          <a:p>
+            <a:r>
+              <a:rPr lang="ru-RU" sz="2800" dirty="0" smtClean="0">
+                <a:latin typeface="PT Sans" pitchFamily="34" charset="-52"/>
+                <a:ea typeface="PT Sans" pitchFamily="34" charset="-52"/>
+              </a:rPr>
+              <a:t>Блочное произведение матриц по аналогии с </a:t>
+            </a:r>
+            <a:r>
+              <a:rPr lang="en-US" sz="2800" dirty="0" smtClean="0">
+                <a:latin typeface="PT Sans" pitchFamily="34" charset="-52"/>
+                <a:ea typeface="PT Sans" pitchFamily="34" charset="-52"/>
+              </a:rPr>
+              <a:t>CUDA</a:t>
+            </a:r>
+            <a:r>
+              <a:rPr lang="ru-RU" sz="2800" dirty="0" smtClean="0">
+                <a:latin typeface="PT Sans" pitchFamily="34" charset="-52"/>
+                <a:ea typeface="PT Sans" pitchFamily="34" charset="-52"/>
+              </a:rPr>
+              <a:t>-версией</a:t>
+            </a:r>
+          </a:p>
+        </p:txBody>
+      </p:sp>
+    </p:spTree>
+    <p:extLst>
+      <p:ext uri="{BB962C8B-B14F-4D97-AF65-F5344CB8AC3E}">
+        <p14:creationId xmlns:p14="http://schemas.microsoft.com/office/powerpoint/2010/main" val="1307494630"/>
+      </p:ext>
+    </p:extLst>
+  </p:cSld>
+  <p:clrMapOvr>
+    <a:masterClrMapping/>
+  </p:clrMapOvr>
+  <p:timing>
+    <p:tnLst>
+      <p:par>
+        <p:cTn id="1" dur="indefinite" restart="never" nodeType="tmRoot"/>
+      </p:par>
+    </p:tnLst>
+  </p:timing>
+</p:sld>
+</file>
+
+<file path=ppt/slides/slide6.xml><?xml version="1.0" encoding="utf-8"?>
+<p:sld xmlns:a="http://schemas.openxmlformats.org/drawingml/2006/main" xmlns:r="http://schemas.openxmlformats.org/officeDocument/2006/relationships" xmlns:p="http://schemas.openxmlformats.org/presentationml/2006/main">
+  <p:cSld>
+    <p:spTree>
+      <p:nvGrpSpPr>
+        <p:cNvPr id="1" name=""/>
+        <p:cNvGrpSpPr/>
+        <p:nvPr/>
+      </p:nvGrpSpPr>
+      <p:grpSpPr>
+        <a:xfrm>
+          <a:off x="0" y="0"/>
+          <a:ext cx="0" cy="0"/>
+          <a:chOff x="0" y="0"/>
+          <a:chExt cx="0" cy="0"/>
+        </a:xfrm>
+      </p:grpSpPr>
+      <p:sp>
+        <p:nvSpPr>
+          <p:cNvPr id="10" name="Заголовок 9"/>
+          <p:cNvSpPr>
+            <a:spLocks noGrp="1"/>
+          </p:cNvSpPr>
+          <p:nvPr>
+            <p:ph type="title"/>
+          </p:nvPr>
+        </p:nvSpPr>
+        <p:spPr/>
+        <p:txBody>
+          <a:bodyPr vert="horz" rtlCol="0" anchor="ctr">
+            <a:normAutofit/>
+            <a:scene3d>
+              <a:camera prst="orthographicFront"/>
+              <a:lightRig rig="soft" dir="t"/>
+            </a:scene3d>
+            <a:sp3d prstMaterial="softEdge">
+              <a:bevelT w="25400" h="25400"/>
+            </a:sp3d>
+          </a:bodyPr>
+          <a:lstStyle/>
+          <a:p>
+            <a:r>
+              <a:rPr lang="ru-RU" sz="4000" dirty="0" smtClean="0">
+                <a:latin typeface="PT Sans" pitchFamily="34" charset="-52"/>
+                <a:ea typeface="PT Sans" pitchFamily="34" charset="-52"/>
+              </a:rPr>
+              <a:t>Редукция на </a:t>
+            </a:r>
+            <a:r>
+              <a:rPr lang="en-US" sz="4000" dirty="0" err="1" smtClean="0">
+                <a:latin typeface="PT Sans" pitchFamily="34" charset="-52"/>
+                <a:ea typeface="PT Sans" pitchFamily="34" charset="-52"/>
+              </a:rPr>
+              <a:t>OpenCL</a:t>
+            </a:r>
+            <a:endParaRPr lang="ru-RU" sz="4000" dirty="0">
+              <a:latin typeface="PT Sans" pitchFamily="34" charset="-52"/>
+              <a:ea typeface="PT Sans" pitchFamily="34" charset="-52"/>
+            </a:endParaRPr>
+          </a:p>
+        </p:txBody>
+      </p:sp>
+      <p:sp>
+        <p:nvSpPr>
+          <p:cNvPr id="13" name="Объект 2"/>
+          <p:cNvSpPr>
+            <a:spLocks noGrp="1"/>
+          </p:cNvSpPr>
+          <p:nvPr>
+            <p:ph idx="1"/>
+          </p:nvPr>
+        </p:nvSpPr>
+        <p:spPr/>
+        <p:txBody>
+          <a:bodyPr vert="horz">
+            <a:normAutofit/>
+          </a:bodyPr>
+          <a:lstStyle/>
+          <a:p>
+            <a:r>
+              <a:rPr lang="ru-RU" sz="2800" dirty="0" smtClean="0">
+                <a:latin typeface="PT Sans" pitchFamily="34" charset="-52"/>
+                <a:ea typeface="PT Sans" pitchFamily="34" charset="-52"/>
+              </a:rPr>
+              <a:t>Классический алгоритм для демонстрации техник оптимизации</a:t>
+            </a:r>
+          </a:p>
+          <a:p>
+            <a:r>
+              <a:rPr lang="ru-RU" sz="2800" dirty="0" smtClean="0">
+                <a:latin typeface="PT Sans" pitchFamily="34" charset="-52"/>
+                <a:ea typeface="PT Sans" pitchFamily="34" charset="-52"/>
+              </a:rPr>
+              <a:t>Простая последовательная реализация </a:t>
+            </a:r>
+            <a:r>
+              <a:rPr lang="en-US" sz="2800" dirty="0" smtClean="0">
+                <a:latin typeface="PT Sans" pitchFamily="34" charset="-52"/>
+                <a:ea typeface="PT Sans" pitchFamily="34" charset="-52"/>
+              </a:rPr>
+              <a:t>O(n)</a:t>
+            </a:r>
+          </a:p>
+          <a:p>
+            <a:r>
+              <a:rPr lang="ru-RU" sz="2800" dirty="0" smtClean="0">
+                <a:latin typeface="PT Sans" pitchFamily="34" charset="-52"/>
+                <a:ea typeface="PT Sans" pitchFamily="34" charset="-52"/>
+              </a:rPr>
+              <a:t>Параллельный алгоритм нетривиален</a:t>
+            </a:r>
+          </a:p>
+          <a:p>
+            <a:r>
+              <a:rPr lang="ru-RU" sz="2800" dirty="0" smtClean="0">
+                <a:latin typeface="PT Sans" pitchFamily="34" charset="-52"/>
+                <a:ea typeface="PT Sans" pitchFamily="34" charset="-52"/>
+              </a:rPr>
+              <a:t>Параллельные версии сильно различаются по производительности</a:t>
+            </a:r>
+          </a:p>
+        </p:txBody>
+      </p:sp>
+    </p:spTree>
+    <p:extLst>
+      <p:ext uri="{BB962C8B-B14F-4D97-AF65-F5344CB8AC3E}">
+        <p14:creationId xmlns:p14="http://schemas.microsoft.com/office/powerpoint/2010/main" val="991418011"/>
+      </p:ext>
+    </p:extLst>
+  </p:cSld>
+  <p:clrMapOvr>
+    <a:masterClrMapping/>
+  </p:clrMapOvr>
+  <p:timing>
+    <p:tnLst>
+      <p:par>
+        <p:cTn id="1" dur="indefinite" restart="never" nodeType="tmRoot"/>
+      </p:par>
+    </p:tnLst>
+  </p:timing>
+</p:sld>
+</file>
+
+<file path=ppt/slides/slide7.xml><?xml version="1.0" encoding="utf-8"?>
+<p:sld xmlns:a="http://schemas.openxmlformats.org/drawingml/2006/main" xmlns:r="http://schemas.openxmlformats.org/officeDocument/2006/relationships" xmlns:p="http://schemas.openxmlformats.org/presentationml/2006/main">
+  <p:cSld>
+    <p:spTree>
+      <p:nvGrpSpPr>
+        <p:cNvPr id="1" name=""/>
+        <p:cNvGrpSpPr/>
+        <p:nvPr/>
+      </p:nvGrpSpPr>
+      <p:grpSpPr>
+        <a:xfrm>
+          <a:off x="0" y="0"/>
+          <a:ext cx="0" cy="0"/>
+          <a:chOff x="0" y="0"/>
+          <a:chExt cx="0" cy="0"/>
+        </a:xfrm>
+      </p:grpSpPr>
+      <p:sp>
+        <p:nvSpPr>
+          <p:cNvPr id="10" name="Заголовок 9"/>
+          <p:cNvSpPr>
+            <a:spLocks noGrp="1"/>
+          </p:cNvSpPr>
+          <p:nvPr>
+            <p:ph type="title"/>
+          </p:nvPr>
+        </p:nvSpPr>
+        <p:spPr/>
+        <p:txBody>
+          <a:bodyPr vert="horz" rtlCol="0" anchor="ctr">
+            <a:normAutofit/>
+            <a:scene3d>
+              <a:camera prst="orthographicFront"/>
+              <a:lightRig rig="soft" dir="t"/>
+            </a:scene3d>
+            <a:sp3d prstMaterial="softEdge">
+              <a:bevelT w="25400" h="25400"/>
+            </a:sp3d>
+          </a:bodyPr>
+          <a:lstStyle/>
+          <a:p>
+            <a:r>
               <a:rPr lang="ru-RU" sz="4000" dirty="0">
                 <a:latin typeface="PT Sans" pitchFamily="34" charset="-52"/>
                 <a:ea typeface="PT Sans" pitchFamily="34" charset="-52"/>
@@ -6257,10 +7059,6 @@
               </a:rPr>
               <a:t>На каждом этапе рабочая группа становится все более разреженной</a:t>
             </a:r>
-            <a:endParaRPr lang="ru-RU" sz="2400" dirty="0" smtClean="0">
-              <a:latin typeface="PT Sans" pitchFamily="34" charset="-52"/>
-              <a:ea typeface="PT Sans" pitchFamily="34" charset="-52"/>
-            </a:endParaRPr>
           </a:p>
         </p:txBody>
       </p:sp>
@@ -6284,7 +7082,7 @@
 </p:sld>
 </file>
 
-<file path=ppt/slides/slide6.xml><?xml version="1.0" encoding="utf-8"?>
+<file path=ppt/slides/slide8.xml><?xml version="1.0" encoding="utf-8"?>
 <p:sld xmlns:a="http://schemas.openxmlformats.org/drawingml/2006/main" xmlns:r="http://schemas.openxmlformats.org/officeDocument/2006/relationships" xmlns:p="http://schemas.openxmlformats.org/presentationml/2006/main">
   <p:cSld>
     <p:spTree>
@@ -6453,315 +7251,6 @@
 </p:sld>
 </file>
 
-<file path=ppt/slides/slide7.xml><?xml version="1.0" encoding="utf-8"?>
-<p:sld xmlns:a="http://schemas.openxmlformats.org/drawingml/2006/main" xmlns:r="http://schemas.openxmlformats.org/officeDocument/2006/relationships" xmlns:p="http://schemas.openxmlformats.org/presentationml/2006/main">
-  <p:cSld>
-    <p:spTree>
-      <p:nvGrpSpPr>
-        <p:cNvPr id="1" name=""/>
-        <p:cNvGrpSpPr/>
-        <p:nvPr/>
-      </p:nvGrpSpPr>
-      <p:grpSpPr>
-        <a:xfrm>
-          <a:off x="0" y="0"/>
-          <a:ext cx="0" cy="0"/>
-          <a:chOff x="0" y="0"/>
-          <a:chExt cx="0" cy="0"/>
-        </a:xfrm>
-      </p:grpSpPr>
-      <p:sp>
-        <p:nvSpPr>
-          <p:cNvPr id="10" name="Заголовок 9"/>
-          <p:cNvSpPr>
-            <a:spLocks noGrp="1"/>
-          </p:cNvSpPr>
-          <p:nvPr>
-            <p:ph type="title"/>
-          </p:nvPr>
-        </p:nvSpPr>
-        <p:spPr/>
-        <p:txBody>
-          <a:bodyPr vert="horz" rtlCol="0" anchor="ctr">
-            <a:normAutofit/>
-            <a:scene3d>
-              <a:camera prst="orthographicFront"/>
-              <a:lightRig rig="soft" dir="t"/>
-            </a:scene3d>
-            <a:sp3d prstMaterial="softEdge">
-              <a:bevelT w="25400" h="25400"/>
-            </a:sp3d>
-          </a:bodyPr>
-          <a:lstStyle/>
-          <a:p>
-            <a:r>
-              <a:rPr lang="ru-RU" sz="4000" dirty="0" smtClean="0">
-                <a:latin typeface="PT Sans" pitchFamily="34" charset="-52"/>
-                <a:ea typeface="PT Sans" pitchFamily="34" charset="-52"/>
-              </a:rPr>
-              <a:t>Реорганизация дерева</a:t>
-            </a:r>
-            <a:endParaRPr lang="ru-RU" sz="4000" dirty="0">
-              <a:latin typeface="PT Sans" pitchFamily="34" charset="-52"/>
-              <a:ea typeface="PT Sans" pitchFamily="34" charset="-52"/>
-            </a:endParaRPr>
-          </a:p>
-        </p:txBody>
-      </p:sp>
-      <p:sp>
-        <p:nvSpPr>
-          <p:cNvPr id="13" name="Объект 2"/>
-          <p:cNvSpPr>
-            <a:spLocks noGrp="1"/>
-          </p:cNvSpPr>
-          <p:nvPr>
-            <p:ph idx="1"/>
-          </p:nvPr>
-        </p:nvSpPr>
-        <p:spPr/>
-        <p:txBody>
-          <a:bodyPr vert="horz">
-            <a:normAutofit/>
-          </a:bodyPr>
-          <a:lstStyle/>
-          <a:p>
-            <a:r>
-              <a:rPr lang="ru-RU" sz="2800" dirty="0" smtClean="0">
-                <a:latin typeface="PT Sans" pitchFamily="34" charset="-52"/>
-                <a:ea typeface="PT Sans" pitchFamily="34" charset="-52"/>
-              </a:rPr>
-              <a:t>Будем не увеличивать а уменьшать расстояние между элементами</a:t>
-            </a:r>
-          </a:p>
-          <a:p>
-            <a:r>
-              <a:rPr lang="ru-RU" sz="2800" dirty="0" smtClean="0">
-                <a:latin typeface="PT Sans" pitchFamily="34" charset="-52"/>
-                <a:ea typeface="PT Sans" pitchFamily="34" charset="-52"/>
-              </a:rPr>
-              <a:t>Это позволит эффективнее нагружать вычислительные ресурсы</a:t>
-            </a:r>
-          </a:p>
-          <a:p>
-            <a:r>
-              <a:rPr lang="ru-RU" sz="2800" dirty="0" smtClean="0">
-                <a:latin typeface="PT Sans" pitchFamily="34" charset="-52"/>
-                <a:ea typeface="PT Sans" pitchFamily="34" charset="-52"/>
-              </a:rPr>
-              <a:t>Количество элементов в 2 раза меньше </a:t>
-            </a:r>
-            <a:r>
-              <a:rPr lang="en-US" sz="2800" i="1" dirty="0" smtClean="0">
-                <a:latin typeface="PT Sans" pitchFamily="34" charset="-52"/>
-                <a:ea typeface="PT Sans" pitchFamily="34" charset="-52"/>
-              </a:rPr>
-              <a:t>n</a:t>
-            </a:r>
-          </a:p>
-          <a:p>
-            <a:r>
-              <a:rPr lang="ru-RU" sz="2800" dirty="0" smtClean="0">
-                <a:latin typeface="PT Sans" pitchFamily="34" charset="-52"/>
-                <a:ea typeface="PT Sans" pitchFamily="34" charset="-52"/>
-              </a:rPr>
-              <a:t>Это позволит сложить 2 половины массива при загрузке в локальную память</a:t>
-            </a:r>
-            <a:endParaRPr lang="ru-RU" sz="2400" dirty="0" smtClean="0">
-              <a:latin typeface="PT Sans" pitchFamily="34" charset="-52"/>
-              <a:ea typeface="PT Sans" pitchFamily="34" charset="-52"/>
-            </a:endParaRPr>
-          </a:p>
-        </p:txBody>
-      </p:sp>
-    </p:spTree>
-    <p:extLst>
-      <p:ext uri="{BB962C8B-B14F-4D97-AF65-F5344CB8AC3E}">
-        <p14:creationId xmlns:p14="http://schemas.microsoft.com/office/powerpoint/2010/main" val="1307144384"/>
-      </p:ext>
-    </p:extLst>
-  </p:cSld>
-  <p:clrMapOvr>
-    <a:masterClrMapping/>
-  </p:clrMapOvr>
-  <p:timing>
-    <p:tnLst>
-      <p:par>
-        <p:cTn id="1" dur="indefinite" restart="never" nodeType="tmRoot"/>
-      </p:par>
-    </p:tnLst>
-  </p:timing>
-</p:sld>
-</file>
-
-<file path=ppt/slides/slide8.xml><?xml version="1.0" encoding="utf-8"?>
-<p:sld xmlns:a="http://schemas.openxmlformats.org/drawingml/2006/main" xmlns:r="http://schemas.openxmlformats.org/officeDocument/2006/relationships" xmlns:p="http://schemas.openxmlformats.org/presentationml/2006/main">
-  <p:cSld>
-    <p:spTree>
-      <p:nvGrpSpPr>
-        <p:cNvPr id="1" name=""/>
-        <p:cNvGrpSpPr/>
-        <p:nvPr/>
-      </p:nvGrpSpPr>
-      <p:grpSpPr>
-        <a:xfrm>
-          <a:off x="0" y="0"/>
-          <a:ext cx="0" cy="0"/>
-          <a:chOff x="0" y="0"/>
-          <a:chExt cx="0" cy="0"/>
-        </a:xfrm>
-      </p:grpSpPr>
-      <p:sp>
-        <p:nvSpPr>
-          <p:cNvPr id="10" name="Заголовок 9"/>
-          <p:cNvSpPr>
-            <a:spLocks noGrp="1"/>
-          </p:cNvSpPr>
-          <p:nvPr>
-            <p:ph type="title"/>
-          </p:nvPr>
-        </p:nvSpPr>
-        <p:spPr/>
-        <p:txBody>
-          <a:bodyPr vert="horz" rtlCol="0" anchor="ctr">
-            <a:normAutofit/>
-            <a:scene3d>
-              <a:camera prst="orthographicFront"/>
-              <a:lightRig rig="soft" dir="t"/>
-            </a:scene3d>
-            <a:sp3d prstMaterial="softEdge">
-              <a:bevelT w="25400" h="25400"/>
-            </a:sp3d>
-          </a:bodyPr>
-          <a:lstStyle/>
-          <a:p>
-            <a:r>
-              <a:rPr lang="ru-RU" sz="4000" dirty="0">
-                <a:latin typeface="PT Sans" pitchFamily="34" charset="-52"/>
-                <a:ea typeface="PT Sans" pitchFamily="34" charset="-52"/>
-              </a:rPr>
-              <a:t>Реорганизация дерева</a:t>
-            </a:r>
-          </a:p>
-        </p:txBody>
-      </p:sp>
-      <p:sp>
-        <p:nvSpPr>
-          <p:cNvPr id="6" name="Прямоугольник 5"/>
-          <p:cNvSpPr/>
-          <p:nvPr/>
-        </p:nvSpPr>
-        <p:spPr>
-          <a:xfrm>
-            <a:off x="6084168" y="5733256"/>
-            <a:ext cx="2775183" cy="369332"/>
-          </a:xfrm>
-          <a:prstGeom prst="rect">
-            <a:avLst/>
-          </a:prstGeom>
-        </p:spPr>
-        <p:txBody>
-          <a:bodyPr wrap="none">
-            <a:spAutoFit/>
-          </a:bodyPr>
-          <a:lstStyle/>
-          <a:p>
-            <a:r>
-              <a:rPr lang="en-US" dirty="0" smtClean="0">
-                <a:solidFill>
-                  <a:schemeClr val="accent5"/>
-                </a:solidFill>
-                <a:latin typeface="PT Sans"/>
-              </a:rPr>
-              <a:t>http</a:t>
-            </a:r>
-            <a:r>
-              <a:rPr lang="en-US" dirty="0">
-                <a:solidFill>
-                  <a:schemeClr val="accent5"/>
-                </a:solidFill>
-                <a:latin typeface="PT Sans"/>
-              </a:rPr>
-              <a:t>://</a:t>
-            </a:r>
-            <a:r>
-              <a:rPr lang="en-US" dirty="0" smtClean="0">
-                <a:solidFill>
-                  <a:schemeClr val="accent5"/>
-                </a:solidFill>
-                <a:latin typeface="PT Sans"/>
-              </a:rPr>
-              <a:t>developer.amd.com</a:t>
-            </a:r>
-            <a:endParaRPr lang="en-US" dirty="0">
-              <a:solidFill>
-                <a:schemeClr val="accent5"/>
-              </a:solidFill>
-              <a:latin typeface="PT Sans"/>
-            </a:endParaRPr>
-          </a:p>
-        </p:txBody>
-      </p:sp>
-      <p:pic>
-        <p:nvPicPr>
-          <p:cNvPr id="2052" name="Picture 4" descr="http://developer.amd.com/wordpress/media/2013/01/OpenCL-Optimization-Figure2.jpg"/>
-          <p:cNvPicPr>
-            <a:picLocks noChangeAspect="1" noChangeArrowheads="1"/>
-          </p:cNvPicPr>
-          <p:nvPr/>
-        </p:nvPicPr>
-        <p:blipFill>
-          <a:blip r:embed="rId2">
-            <a:extLst>
-              <a:ext uri="{28A0092B-C50C-407E-A947-70E740481C1C}">
-                <a14:useLocalDpi xmlns:a14="http://schemas.microsoft.com/office/drawing/2010/main" val="0"/>
-              </a:ext>
-            </a:extLst>
-          </a:blip>
-          <a:srcRect/>
-          <a:stretch>
-            <a:fillRect/>
-          </a:stretch>
-        </p:blipFill>
-        <p:spPr bwMode="auto">
-          <a:xfrm>
-            <a:off x="827584" y="1730040"/>
-            <a:ext cx="7443676" cy="3859200"/>
-          </a:xfrm>
-          <a:prstGeom prst="rect">
-            <a:avLst/>
-          </a:prstGeom>
-          <a:noFill/>
-          <a:extLst>
-            <a:ext uri="{909E8E84-426E-40DD-AFC4-6F175D3DCCD1}">
-              <a14:hiddenFill xmlns:a14="http://schemas.microsoft.com/office/drawing/2010/main">
-                <a:solidFill>
-                  <a:srgbClr val="FFFFFF"/>
-                </a:solidFill>
-              </a14:hiddenFill>
-            </a:ext>
-          </a:extLst>
-        </p:spPr>
-      </p:pic>
-    </p:spTree>
-    <p:extLst>
-      <p:ext uri="{BB962C8B-B14F-4D97-AF65-F5344CB8AC3E}">
-        <p14:creationId xmlns:p14="http://schemas.microsoft.com/office/powerpoint/2010/main" val="3978501907"/>
-      </p:ext>
-    </p:extLst>
-  </p:cSld>
-  <p:clrMapOvr>
-    <a:masterClrMapping/>
-  </p:clrMapOvr>
-  <p:timing>
-    <p:tnLst>
-      <p:par>
-        <p:cTn id="1" dur="indefinite" restart="never" nodeType="tmRoot"/>
-      </p:par>
-    </p:tnLst>
-  </p:timing>
-</p:sld>
-</file>
-
 <file path=ppt/slides/slide9.xml><?xml version="1.0" encoding="utf-8"?>
 <p:sld xmlns:a="http://schemas.openxmlformats.org/drawingml/2006/main" xmlns:r="http://schemas.openxmlformats.org/officeDocument/2006/relationships" xmlns:p="http://schemas.openxmlformats.org/presentationml/2006/main">
   <p:cSld>
@@ -6808,7 +7297,7 @@
                 <a:latin typeface="PT Sans" pitchFamily="34" charset="-52"/>
                 <a:ea typeface="PT Sans" pitchFamily="34" charset="-52"/>
               </a:rPr>
-              <a:t>Двухэтапная редукция</a:t>
+              <a:t>Реорганизация дерева</a:t>
             </a:r>
             <a:endParaRPr lang="ru-RU" sz="4000" dirty="0">
               <a:latin typeface="PT Sans" pitchFamily="34" charset="-52"/>
@@ -6839,7 +7328,7 @@
                 <a:latin typeface="PT Sans" pitchFamily="34" charset="-52"/>
                 <a:ea typeface="PT Sans" pitchFamily="34" charset="-52"/>
               </a:rPr>
-              <a:t>Развитие идеи со сложением элементов при загрузке</a:t>
+              <a:t>Будем не увеличивать а уменьшать расстояние между элементами</a:t>
             </a:r>
           </a:p>
           <a:p>
@@ -6848,19 +7337,24 @@
                 <a:latin typeface="PT Sans" pitchFamily="34" charset="-52"/>
                 <a:ea typeface="PT Sans" pitchFamily="34" charset="-52"/>
               </a:rPr>
-              <a:t>Количество элементов кратно меньше </a:t>
-            </a:r>
-            <a:r>
-              <a:rPr lang="en-US" sz="2800" i="1" dirty="0">
+              <a:t>Это позволит эффективнее нагружать вычислительные ресурсы</a:t>
+            </a:r>
+          </a:p>
+          <a:p>
+            <a:r>
+              <a:rPr lang="ru-RU" sz="2800" dirty="0" smtClean="0">
+                <a:latin typeface="PT Sans" pitchFamily="34" charset="-52"/>
+                <a:ea typeface="PT Sans" pitchFamily="34" charset="-52"/>
+              </a:rPr>
+              <a:t>Количество элементов в 2 раза меньше </a:t>
+            </a:r>
+            <a:r>
+              <a:rPr lang="en-US" sz="2800" i="1" dirty="0" smtClean="0">
                 <a:latin typeface="PT Sans" pitchFamily="34" charset="-52"/>
                 <a:ea typeface="PT Sans" pitchFamily="34" charset="-52"/>
               </a:rPr>
               <a:t>n</a:t>
             </a:r>
-            <a:endParaRPr lang="ru-RU" sz="2800" i="1" dirty="0" smtClean="0">
-              <a:latin typeface="PT Sans" pitchFamily="34" charset="-52"/>
-              <a:ea typeface="PT Sans" pitchFamily="34" charset="-52"/>
-            </a:endParaRPr>
           </a:p>
           <a:p>
             <a:r>
@@ -6868,30 +7362,7 @@
                 <a:latin typeface="PT Sans" pitchFamily="34" charset="-52"/>
                 <a:ea typeface="PT Sans" pitchFamily="34" charset="-52"/>
               </a:rPr>
-              <a:t>Последовательный цикл для каждого элемента</a:t>
-            </a:r>
-            <a:r>
-              <a:rPr lang="en-US" sz="2800" dirty="0" smtClean="0">
-                <a:latin typeface="PT Sans" pitchFamily="34" charset="-52"/>
-                <a:ea typeface="PT Sans" pitchFamily="34" charset="-52"/>
-              </a:rPr>
-              <a:t> </a:t>
-            </a:r>
-            <a:r>
-              <a:rPr lang="ru-RU" sz="2800" dirty="0" smtClean="0">
-                <a:latin typeface="PT Sans" pitchFamily="34" charset="-52"/>
-                <a:ea typeface="PT Sans" pitchFamily="34" charset="-52"/>
-              </a:rPr>
-              <a:t>по массиву</a:t>
-            </a:r>
-          </a:p>
-          <a:p>
-            <a:r>
-              <a:rPr lang="ru-RU" sz="2800" dirty="0" smtClean="0">
-                <a:latin typeface="PT Sans" pitchFamily="34" charset="-52"/>
-                <a:ea typeface="PT Sans" pitchFamily="34" charset="-52"/>
-              </a:rPr>
-              <a:t>Параллельная редукция по группам</a:t>
+              <a:t>Это позволит сложить 2 половины массива при загрузке в локальную память</a:t>
             </a:r>
             <a:endParaRPr lang="ru-RU" sz="2400" dirty="0" smtClean="0">
               <a:latin typeface="PT Sans" pitchFamily="34" charset="-52"/>
@@ -6903,7 +7374,7 @@
     </p:spTree>
     <p:extLst>
       <p:ext uri="{BB962C8B-B14F-4D97-AF65-F5344CB8AC3E}">
-        <p14:creationId xmlns:p14="http://schemas.microsoft.com/office/powerpoint/2010/main" val="3747153210"/>
+        <p14:creationId xmlns:p14="http://schemas.microsoft.com/office/powerpoint/2010/main" val="1307144384"/>
       </p:ext>
     </p:extLst>
   </p:cSld>
